--- a/Docs/Design.pptx
+++ b/Docs/Design.pptx
@@ -8650,14 +8650,14 @@
           <p:nvPr>
             <p:extLst>
               <p:ext uri="{D42A27DB-BD31-4B8C-83A1-F6EECF244321}">
-                <p14:modId xmlns:p14="http://schemas.microsoft.com/office/powerpoint/2010/main" val="1325543231"/>
+                <p14:modId xmlns:p14="http://schemas.microsoft.com/office/powerpoint/2010/main" val="27939469"/>
               </p:ext>
             </p:extLst>
           </p:nvPr>
         </p:nvGraphicFramePr>
         <p:xfrm>
           <a:off x="459322" y="3826380"/>
-          <a:ext cx="9540355" cy="1986280"/>
+          <a:ext cx="9540355" cy="1833880"/>
         </p:xfrm>
         <a:graphic>
           <a:graphicData uri="http://schemas.openxmlformats.org/drawingml/2006/table">
@@ -8910,7 +8910,7 @@
                           <a:ea typeface="+mn-ea"/>
                           <a:cs typeface="+mn-cs"/>
                         </a:rPr>
-                        <a:t>FW File Name</a:t>
+                        <a:t>ZZ File Name</a:t>
                       </a:r>
                       <a:endParaRPr lang="en-US" sz="1800" dirty="0"/>
                     </a:p>
@@ -8948,7 +8948,7 @@
                           <a:ea typeface="+mn-ea"/>
                           <a:cs typeface="+mn-cs"/>
                         </a:rPr>
-                        <a:t>Phoenix File Name</a:t>
+                        <a:t>TT File Name</a:t>
                       </a:r>
                       <a:endParaRPr lang="en-US" sz="1800" dirty="0"/>
                     </a:p>
@@ -9058,7 +9058,7 @@
                     <a:p>
                       <a:r>
                         <a:rPr lang="en-US" sz="1000" dirty="0"/>
-                        <a:t>10.158.194.0</a:t>
+                        <a:t>10.10.1.0</a:t>
                       </a:r>
                     </a:p>
                   </a:txBody>
@@ -9070,9 +9070,10 @@
                     <a:lstStyle/>
                     <a:p>
                       <a:r>
-                        <a:rPr lang="en-US" sz="1000" dirty="0"/>
-                        <a:t>10.158.194.100</a:t>
+                        <a:rPr lang="en-US" sz="1000"/>
+                        <a:t>10.10.1.20</a:t>
                       </a:r>
+                      <a:endParaRPr lang="en-US" sz="1000" dirty="0"/>
                     </a:p>
                   </a:txBody>
                   <a:tcPr/>
@@ -9110,7 +9111,23 @@
                     <a:p>
                       <a:r>
                         <a:rPr lang="en-US" sz="1000" dirty="0"/>
-                        <a:t>\c$\Program Files\KLA-Tencor\ASD Phoenix\Binaries\MaterialHandler.dll</a:t>
+                        <a:t>\c$\Program Files\</a:t>
+                      </a:r>
+                      <a:r>
+                        <a:rPr lang="en-US" sz="1000" dirty="0" err="1"/>
+                        <a:t>xxxr</a:t>
+                      </a:r>
+                      <a:r>
+                        <a:rPr lang="en-US" sz="1000" dirty="0"/>
+                        <a:t>\</a:t>
+                      </a:r>
+                      <a:r>
+                        <a:rPr lang="en-US" sz="1000" dirty="0" err="1"/>
+                        <a:t>yyy</a:t>
+                      </a:r>
+                      <a:r>
+                        <a:rPr lang="en-US" sz="1000" dirty="0"/>
+                        <a:t>\Binaries\zzz.dll</a:t>
                       </a:r>
                     </a:p>
                   </a:txBody>
@@ -9123,7 +9140,23 @@
                     <a:p>
                       <a:r>
                         <a:rPr lang="en-US" sz="1000" dirty="0"/>
-                        <a:t>\c$\Program Files\KLA-Tencor\ASD Phoenix\Binaries\TransporterKTPAAPI.dll</a:t>
+                        <a:t>\c$\Program Files\</a:t>
+                      </a:r>
+                      <a:r>
+                        <a:rPr lang="en-US" sz="1000" dirty="0" err="1"/>
+                        <a:t>xxxr</a:t>
+                      </a:r>
+                      <a:r>
+                        <a:rPr lang="en-US" sz="1000" dirty="0"/>
+                        <a:t>\</a:t>
+                      </a:r>
+                      <a:r>
+                        <a:rPr lang="en-US" sz="1000" dirty="0" err="1"/>
+                        <a:t>yyy</a:t>
+                      </a:r>
+                      <a:r>
+                        <a:rPr lang="en-US" sz="1000" dirty="0"/>
+                        <a:t>\Binaries\ttt.dll</a:t>
                       </a:r>
                     </a:p>
                   </a:txBody>

--- a/Docs/Design.pptx
+++ b/Docs/Design.pptx
@@ -8306,7 +8306,7 @@
           <p:nvPr>
             <p:extLst>
               <p:ext uri="{D42A27DB-BD31-4B8C-83A1-F6EECF244321}">
-                <p14:modId xmlns:p14="http://schemas.microsoft.com/office/powerpoint/2010/main" val="144579248"/>
+                <p14:modId xmlns:p14="http://schemas.microsoft.com/office/powerpoint/2010/main" val="2461217754"/>
               </p:ext>
             </p:extLst>
           </p:nvPr>
@@ -8408,8 +8408,12 @@
                         <a:defRPr/>
                       </a:pPr>
                       <a:r>
+                        <a:rPr lang="en-US" sz="1800" dirty="0" err="1"/>
+                        <a:t>zz</a:t>
+                      </a:r>
+                      <a:r>
                         <a:rPr lang="en-US" sz="1800" dirty="0"/>
-                        <a:t>Phoenix Version</a:t>
+                        <a:t> Version</a:t>
                       </a:r>
                     </a:p>
                   </a:txBody>
@@ -8438,8 +8442,12 @@
                         <a:defRPr/>
                       </a:pPr>
                       <a:r>
+                        <a:rPr lang="en-US" sz="1800"/>
+                        <a:t>tt </a:t>
+                      </a:r>
+                      <a:r>
                         <a:rPr lang="en-US" sz="1800" dirty="0"/>
-                        <a:t>FW Version</a:t>
+                        <a:t>Version</a:t>
                       </a:r>
                     </a:p>
                   </a:txBody>
@@ -9070,10 +9078,9 @@
                     <a:lstStyle/>
                     <a:p>
                       <a:r>
-                        <a:rPr lang="en-US" sz="1000"/>
+                        <a:rPr lang="en-US" sz="1000" dirty="0"/>
                         <a:t>10.10.1.20</a:t>
                       </a:r>
-                      <a:endParaRPr lang="en-US" sz="1000" dirty="0"/>
                     </a:p>
                   </a:txBody>
                   <a:tcPr/>

--- a/Docs/Design.pptx
+++ b/Docs/Design.pptx
@@ -8442,12 +8442,12 @@
                         <a:defRPr/>
                       </a:pPr>
                       <a:r>
-                        <a:rPr lang="en-US" sz="1800"/>
-                        <a:t>tt </a:t>
+                        <a:rPr lang="en-US" sz="1800" dirty="0" err="1"/>
+                        <a:t>tt</a:t>
                       </a:r>
                       <a:r>
                         <a:rPr lang="en-US" sz="1800" dirty="0"/>
-                        <a:t>Version</a:t>
+                        <a:t> Version</a:t>
                       </a:r>
                     </a:p>
                   </a:txBody>
@@ -13963,22 +13963,19 @@
             </a:avLst>
           </a:prstGeom>
           <a:ln>
-            <a:solidFill>
-              <a:srgbClr val="FFC000"/>
-            </a:solidFill>
             <a:headEnd type="triangle"/>
             <a:tailEnd type="triangle"/>
           </a:ln>
         </p:spPr>
         <p:style>
-          <a:lnRef idx="1">
-            <a:schemeClr val="accent1"/>
+          <a:lnRef idx="3">
+            <a:schemeClr val="dk1"/>
           </a:lnRef>
           <a:fillRef idx="0">
-            <a:schemeClr val="accent1"/>
+            <a:schemeClr val="dk1"/>
           </a:fillRef>
-          <a:effectRef idx="0">
-            <a:schemeClr val="accent1"/>
+          <a:effectRef idx="2">
+            <a:schemeClr val="dk1"/>
           </a:effectRef>
           <a:fontRef idx="minor">
             <a:schemeClr val="tx1"/>
@@ -14764,21 +14761,17 @@
           <a:prstGeom prst="leftBrace">
             <a:avLst/>
           </a:prstGeom>
-          <a:ln>
-            <a:solidFill>
-              <a:schemeClr val="bg2"/>
-            </a:solidFill>
-          </a:ln>
+          <a:ln/>
         </p:spPr>
         <p:style>
-          <a:lnRef idx="1">
-            <a:schemeClr val="accent1"/>
+          <a:lnRef idx="3">
+            <a:schemeClr val="dk1"/>
           </a:lnRef>
           <a:fillRef idx="0">
-            <a:schemeClr val="accent1"/>
+            <a:schemeClr val="dk1"/>
           </a:fillRef>
-          <a:effectRef idx="0">
-            <a:schemeClr val="accent1"/>
+          <a:effectRef idx="2">
+            <a:schemeClr val="dk1"/>
           </a:effectRef>
           <a:fontRef idx="minor">
             <a:schemeClr val="tx1"/>
@@ -14821,22 +14814,19 @@
             </a:avLst>
           </a:prstGeom>
           <a:ln>
-            <a:solidFill>
-              <a:schemeClr val="bg2"/>
-            </a:solidFill>
             <a:headEnd type="triangle"/>
             <a:tailEnd type="none"/>
           </a:ln>
         </p:spPr>
         <p:style>
-          <a:lnRef idx="1">
-            <a:schemeClr val="accent1"/>
+          <a:lnRef idx="3">
+            <a:schemeClr val="dk1"/>
           </a:lnRef>
           <a:fillRef idx="0">
-            <a:schemeClr val="accent1"/>
+            <a:schemeClr val="dk1"/>
           </a:fillRef>
-          <a:effectRef idx="0">
-            <a:schemeClr val="accent1"/>
+          <a:effectRef idx="2">
+            <a:schemeClr val="dk1"/>
           </a:effectRef>
           <a:fontRef idx="minor">
             <a:schemeClr val="tx1"/>
@@ -14870,22 +14860,19 @@
             </a:avLst>
           </a:prstGeom>
           <a:ln>
-            <a:solidFill>
-              <a:schemeClr val="bg2"/>
-            </a:solidFill>
             <a:headEnd type="none"/>
             <a:tailEnd type="triangle"/>
           </a:ln>
         </p:spPr>
         <p:style>
-          <a:lnRef idx="1">
-            <a:schemeClr val="accent1"/>
+          <a:lnRef idx="3">
+            <a:schemeClr val="dk1"/>
           </a:lnRef>
           <a:fillRef idx="0">
-            <a:schemeClr val="accent1"/>
+            <a:schemeClr val="dk1"/>
           </a:fillRef>
-          <a:effectRef idx="0">
-            <a:schemeClr val="accent1"/>
+          <a:effectRef idx="2">
+            <a:schemeClr val="dk1"/>
           </a:effectRef>
           <a:fontRef idx="minor">
             <a:schemeClr val="tx1"/>
@@ -14917,22 +14904,19 @@
             <a:avLst/>
           </a:prstGeom>
           <a:ln>
-            <a:solidFill>
-              <a:schemeClr val="bg2"/>
-            </a:solidFill>
             <a:headEnd type="none"/>
             <a:tailEnd type="triangle"/>
           </a:ln>
         </p:spPr>
         <p:style>
-          <a:lnRef idx="1">
-            <a:schemeClr val="accent1"/>
+          <a:lnRef idx="3">
+            <a:schemeClr val="dk1"/>
           </a:lnRef>
           <a:fillRef idx="0">
-            <a:schemeClr val="accent1"/>
+            <a:schemeClr val="dk1"/>
           </a:fillRef>
-          <a:effectRef idx="0">
-            <a:schemeClr val="accent1"/>
+          <a:effectRef idx="2">
+            <a:schemeClr val="dk1"/>
           </a:effectRef>
           <a:fontRef idx="minor">
             <a:schemeClr val="tx1"/>
@@ -14967,22 +14951,19 @@
             </a:avLst>
           </a:prstGeom>
           <a:ln>
-            <a:solidFill>
-              <a:schemeClr val="bg2"/>
-            </a:solidFill>
             <a:headEnd type="none"/>
             <a:tailEnd type="triangle"/>
           </a:ln>
         </p:spPr>
         <p:style>
-          <a:lnRef idx="1">
-            <a:schemeClr val="accent1"/>
+          <a:lnRef idx="3">
+            <a:schemeClr val="dk1"/>
           </a:lnRef>
           <a:fillRef idx="0">
-            <a:schemeClr val="accent1"/>
+            <a:schemeClr val="dk1"/>
           </a:fillRef>
-          <a:effectRef idx="0">
-            <a:schemeClr val="accent1"/>
+          <a:effectRef idx="2">
+            <a:schemeClr val="dk1"/>
           </a:effectRef>
           <a:fontRef idx="minor">
             <a:schemeClr val="tx1"/>
@@ -15016,22 +14997,19 @@
             </a:avLst>
           </a:prstGeom>
           <a:ln>
-            <a:solidFill>
-              <a:srgbClr val="FFC000"/>
-            </a:solidFill>
             <a:headEnd type="triangle"/>
             <a:tailEnd type="none"/>
           </a:ln>
         </p:spPr>
         <p:style>
-          <a:lnRef idx="1">
-            <a:schemeClr val="accent1"/>
+          <a:lnRef idx="3">
+            <a:schemeClr val="dk1"/>
           </a:lnRef>
           <a:fillRef idx="0">
-            <a:schemeClr val="accent1"/>
+            <a:schemeClr val="dk1"/>
           </a:fillRef>
-          <a:effectRef idx="0">
-            <a:schemeClr val="accent1"/>
+          <a:effectRef idx="2">
+            <a:schemeClr val="dk1"/>
           </a:effectRef>
           <a:fontRef idx="minor">
             <a:schemeClr val="tx1"/>
@@ -15415,21 +15393,17 @@
           <a:prstGeom prst="leftBrace">
             <a:avLst/>
           </a:prstGeom>
-          <a:ln>
-            <a:solidFill>
-              <a:schemeClr val="bg2"/>
-            </a:solidFill>
-          </a:ln>
+          <a:ln/>
         </p:spPr>
         <p:style>
-          <a:lnRef idx="1">
-            <a:schemeClr val="accent1"/>
+          <a:lnRef idx="3">
+            <a:schemeClr val="dk1"/>
           </a:lnRef>
           <a:fillRef idx="0">
-            <a:schemeClr val="accent1"/>
+            <a:schemeClr val="dk1"/>
           </a:fillRef>
-          <a:effectRef idx="0">
-            <a:schemeClr val="accent1"/>
+          <a:effectRef idx="2">
+            <a:schemeClr val="dk1"/>
           </a:effectRef>
           <a:fontRef idx="minor">
             <a:schemeClr val="tx1"/>
@@ -16033,22 +16007,19 @@
             </a:avLst>
           </a:prstGeom>
           <a:ln>
-            <a:solidFill>
-              <a:schemeClr val="bg2"/>
-            </a:solidFill>
             <a:headEnd type="triangle"/>
             <a:tailEnd type="none"/>
           </a:ln>
         </p:spPr>
         <p:style>
-          <a:lnRef idx="1">
-            <a:schemeClr val="accent1"/>
+          <a:lnRef idx="3">
+            <a:schemeClr val="dk1"/>
           </a:lnRef>
           <a:fillRef idx="0">
-            <a:schemeClr val="accent1"/>
+            <a:schemeClr val="dk1"/>
           </a:fillRef>
-          <a:effectRef idx="0">
-            <a:schemeClr val="accent1"/>
+          <a:effectRef idx="2">
+            <a:schemeClr val="dk1"/>
           </a:effectRef>
           <a:fontRef idx="minor">
             <a:schemeClr val="tx1"/>
@@ -17389,22 +17360,19 @@
             </a:avLst>
           </a:prstGeom>
           <a:ln>
-            <a:solidFill>
-              <a:schemeClr val="bg2"/>
-            </a:solidFill>
             <a:headEnd type="triangle"/>
             <a:tailEnd type="none"/>
           </a:ln>
         </p:spPr>
         <p:style>
-          <a:lnRef idx="1">
-            <a:schemeClr val="accent1"/>
+          <a:lnRef idx="3">
+            <a:schemeClr val="dk1"/>
           </a:lnRef>
           <a:fillRef idx="0">
-            <a:schemeClr val="accent1"/>
+            <a:schemeClr val="dk1"/>
           </a:fillRef>
-          <a:effectRef idx="0">
-            <a:schemeClr val="accent1"/>
+          <a:effectRef idx="2">
+            <a:schemeClr val="dk1"/>
           </a:effectRef>
           <a:fontRef idx="minor">
             <a:schemeClr val="tx1"/>
@@ -17436,22 +17404,19 @@
             <a:avLst/>
           </a:prstGeom>
           <a:ln>
-            <a:solidFill>
-              <a:schemeClr val="bg2"/>
-            </a:solidFill>
             <a:headEnd type="none"/>
             <a:tailEnd type="triangle"/>
           </a:ln>
         </p:spPr>
         <p:style>
-          <a:lnRef idx="1">
-            <a:schemeClr val="accent1"/>
+          <a:lnRef idx="3">
+            <a:schemeClr val="dk1"/>
           </a:lnRef>
           <a:fillRef idx="0">
-            <a:schemeClr val="accent1"/>
+            <a:schemeClr val="dk1"/>
           </a:fillRef>
-          <a:effectRef idx="0">
-            <a:schemeClr val="accent1"/>
+          <a:effectRef idx="2">
+            <a:schemeClr val="dk1"/>
           </a:effectRef>
           <a:fontRef idx="minor">
             <a:schemeClr val="tx1"/>
@@ -17724,22 +17689,19 @@
             </a:avLst>
           </a:prstGeom>
           <a:ln>
-            <a:solidFill>
-              <a:schemeClr val="bg2"/>
-            </a:solidFill>
             <a:headEnd type="triangle"/>
             <a:tailEnd type="none"/>
           </a:ln>
         </p:spPr>
         <p:style>
-          <a:lnRef idx="1">
-            <a:schemeClr val="accent1"/>
+          <a:lnRef idx="3">
+            <a:schemeClr val="dk1"/>
           </a:lnRef>
           <a:fillRef idx="0">
-            <a:schemeClr val="accent1"/>
+            <a:schemeClr val="dk1"/>
           </a:fillRef>
-          <a:effectRef idx="0">
-            <a:schemeClr val="accent1"/>
+          <a:effectRef idx="2">
+            <a:schemeClr val="dk1"/>
           </a:effectRef>
           <a:fontRef idx="minor">
             <a:schemeClr val="tx1"/>
@@ -17771,22 +17733,19 @@
             <a:avLst/>
           </a:prstGeom>
           <a:ln>
-            <a:solidFill>
-              <a:schemeClr val="bg2"/>
-            </a:solidFill>
             <a:headEnd type="triangle"/>
             <a:tailEnd type="none"/>
           </a:ln>
         </p:spPr>
         <p:style>
-          <a:lnRef idx="1">
-            <a:schemeClr val="accent1"/>
+          <a:lnRef idx="3">
+            <a:schemeClr val="dk1"/>
           </a:lnRef>
           <a:fillRef idx="0">
-            <a:schemeClr val="accent1"/>
+            <a:schemeClr val="dk1"/>
           </a:fillRef>
-          <a:effectRef idx="0">
-            <a:schemeClr val="accent1"/>
+          <a:effectRef idx="2">
+            <a:schemeClr val="dk1"/>
           </a:effectRef>
           <a:fontRef idx="minor">
             <a:schemeClr val="tx1"/>
@@ -18877,22 +18836,19 @@
             </a:avLst>
           </a:prstGeom>
           <a:ln>
-            <a:solidFill>
-              <a:schemeClr val="bg2"/>
-            </a:solidFill>
             <a:headEnd type="none"/>
             <a:tailEnd type="triangle"/>
           </a:ln>
         </p:spPr>
         <p:style>
-          <a:lnRef idx="1">
-            <a:schemeClr val="accent1"/>
+          <a:lnRef idx="3">
+            <a:schemeClr val="dk1"/>
           </a:lnRef>
           <a:fillRef idx="0">
-            <a:schemeClr val="accent1"/>
+            <a:schemeClr val="dk1"/>
           </a:fillRef>
-          <a:effectRef idx="0">
-            <a:schemeClr val="accent1"/>
+          <a:effectRef idx="2">
+            <a:schemeClr val="dk1"/>
           </a:effectRef>
           <a:fontRef idx="minor">
             <a:schemeClr val="tx1"/>
@@ -19347,22 +19303,19 @@
             </a:avLst>
           </a:prstGeom>
           <a:ln>
-            <a:solidFill>
-              <a:schemeClr val="bg2"/>
-            </a:solidFill>
             <a:headEnd type="none"/>
             <a:tailEnd type="triangle"/>
           </a:ln>
         </p:spPr>
         <p:style>
-          <a:lnRef idx="1">
-            <a:schemeClr val="accent1"/>
+          <a:lnRef idx="3">
+            <a:schemeClr val="dk1"/>
           </a:lnRef>
           <a:fillRef idx="0">
-            <a:schemeClr val="accent1"/>
+            <a:schemeClr val="dk1"/>
           </a:fillRef>
-          <a:effectRef idx="0">
-            <a:schemeClr val="accent1"/>
+          <a:effectRef idx="2">
+            <a:schemeClr val="dk1"/>
           </a:effectRef>
           <a:fontRef idx="minor">
             <a:schemeClr val="tx1"/>
@@ -19699,22 +19652,19 @@
             </a:avLst>
           </a:prstGeom>
           <a:ln>
-            <a:solidFill>
-              <a:srgbClr val="FFC000"/>
-            </a:solidFill>
             <a:headEnd type="triangle"/>
             <a:tailEnd type="none"/>
           </a:ln>
         </p:spPr>
         <p:style>
-          <a:lnRef idx="1">
-            <a:schemeClr val="accent1"/>
+          <a:lnRef idx="3">
+            <a:schemeClr val="dk1"/>
           </a:lnRef>
           <a:fillRef idx="0">
-            <a:schemeClr val="accent1"/>
+            <a:schemeClr val="dk1"/>
           </a:fillRef>
-          <a:effectRef idx="0">
-            <a:schemeClr val="accent1"/>
+          <a:effectRef idx="2">
+            <a:schemeClr val="dk1"/>
           </a:effectRef>
           <a:fontRef idx="minor">
             <a:schemeClr val="tx1"/>
@@ -19748,22 +19698,19 @@
             </a:avLst>
           </a:prstGeom>
           <a:ln>
-            <a:solidFill>
-              <a:schemeClr val="bg2"/>
-            </a:solidFill>
             <a:headEnd type="none"/>
             <a:tailEnd type="triangle"/>
           </a:ln>
         </p:spPr>
         <p:style>
-          <a:lnRef idx="1">
-            <a:schemeClr val="accent1"/>
+          <a:lnRef idx="3">
+            <a:schemeClr val="dk1"/>
           </a:lnRef>
           <a:fillRef idx="0">
-            <a:schemeClr val="accent1"/>
+            <a:schemeClr val="dk1"/>
           </a:fillRef>
-          <a:effectRef idx="0">
-            <a:schemeClr val="accent1"/>
+          <a:effectRef idx="2">
+            <a:schemeClr val="dk1"/>
           </a:effectRef>
           <a:fontRef idx="minor">
             <a:schemeClr val="tx1"/>

--- a/Docs/Design.pptx
+++ b/Docs/Design.pptx
@@ -14844,19 +14844,19 @@
           </p:cNvPr>
           <p:cNvCxnSpPr>
             <a:cxnSpLocks/>
-            <a:stCxn id="8" idx="3"/>
+            <a:stCxn id="8" idx="1"/>
             <a:endCxn id="344" idx="6"/>
           </p:cNvCxnSpPr>
           <p:nvPr/>
         </p:nvCxnSpPr>
         <p:spPr>
-          <a:xfrm flipH="1">
-            <a:off x="9142739" y="1635101"/>
-            <a:ext cx="2630548" cy="3712583"/>
+          <a:xfrm rot="10800000" flipV="1">
+            <a:off x="9142739" y="1635100"/>
+            <a:ext cx="1476124" cy="3712583"/>
           </a:xfrm>
           <a:prstGeom prst="bentConnector3">
             <a:avLst>
-              <a:gd name="adj1" fmla="val -8690"/>
+              <a:gd name="adj1" fmla="val 20748"/>
             </a:avLst>
           </a:prstGeom>
           <a:ln>

--- a/Docs/Design.pptx
+++ b/Docs/Design.pptx
@@ -14798,19 +14798,18 @@
           <p:cNvCxnSpPr>
             <a:cxnSpLocks/>
             <a:stCxn id="13" idx="3"/>
-            <a:endCxn id="25" idx="1"/>
+            <a:endCxn id="25" idx="0"/>
           </p:cNvCxnSpPr>
           <p:nvPr/>
         </p:nvCxnSpPr>
         <p:spPr>
           <a:xfrm>
             <a:off x="1082457" y="1204199"/>
-            <a:ext cx="1433638" cy="1434097"/>
-          </a:xfrm>
-          <a:prstGeom prst="bentConnector4">
+            <a:ext cx="1310528" cy="1129298"/>
+          </a:xfrm>
+          <a:prstGeom prst="bentConnector3">
             <a:avLst>
-              <a:gd name="adj1" fmla="val 39370"/>
-              <a:gd name="adj2" fmla="val 127054"/>
+              <a:gd name="adj1" fmla="val 50000"/>
             </a:avLst>
           </a:prstGeom>
           <a:ln>
@@ -14982,18 +14981,19 @@
           <p:cNvCxnSpPr>
             <a:cxnSpLocks/>
             <a:stCxn id="88" idx="0"/>
-            <a:endCxn id="33" idx="1"/>
+            <a:endCxn id="33" idx="0"/>
           </p:cNvCxnSpPr>
           <p:nvPr/>
         </p:nvCxnSpPr>
         <p:spPr>
           <a:xfrm rot="5400000" flipH="1" flipV="1">
-            <a:off x="4996492" y="2839572"/>
-            <a:ext cx="670705" cy="273111"/>
-          </a:xfrm>
-          <a:prstGeom prst="bentConnector3">
+            <a:off x="4782537" y="2748727"/>
+            <a:ext cx="975505" cy="150000"/>
+          </a:xfrm>
+          <a:prstGeom prst="bentConnector4">
             <a:avLst>
-              <a:gd name="adj1" fmla="val 50000"/>
+              <a:gd name="adj1" fmla="val 43689"/>
+              <a:gd name="adj2" fmla="val -1498"/>
             </a:avLst>
           </a:prstGeom>
           <a:ln>
